--- a/Git_Bash_Tutor.pptx
+++ b/Git_Bash_Tutor.pptx
@@ -1809,14 +1809,7 @@
                 <a:latin typeface="Times New Roman" panose="02020603050405020304" pitchFamily="18" charset="0"/>
                 <a:cs typeface="Times New Roman" panose="02020603050405020304" pitchFamily="18" charset="0"/>
               </a:rPr>
-              <a:t>git </a:t>
-            </a:r>
-            <a:r>
-              <a:rPr lang="en-US" altLang="zh-TW" sz="1200" dirty="0" smtClean="0">
-                <a:latin typeface="Times New Roman" panose="02020603050405020304" pitchFamily="18" charset="0"/>
-                <a:cs typeface="Times New Roman" panose="02020603050405020304" pitchFamily="18" charset="0"/>
-              </a:rPr>
-              <a:t>pull(</a:t>
+              <a:t>git pull(</a:t>
             </a:r>
             <a:r>
               <a:rPr lang="zh-TW" altLang="en-US" sz="1200" dirty="0" smtClean="0">
@@ -2018,19 +2011,11 @@
             </a:pPr>
             <a:r>
               <a:rPr lang="en-US" altLang="zh-TW" baseline="0" dirty="0" smtClean="0"/>
-              <a:t>Git branch –a </a:t>
-            </a:r>
-            <a:r>
-              <a:rPr lang="en-US" altLang="zh-TW" baseline="0" dirty="0" smtClean="0"/>
-              <a:t>(</a:t>
+              <a:t>Git branch –a (</a:t>
             </a:r>
             <a:r>
               <a:rPr lang="zh-TW" altLang="en-US" baseline="0" dirty="0" smtClean="0"/>
-              <a:t>本地加遠端，已</a:t>
-            </a:r>
-            <a:r>
-              <a:rPr lang="zh-TW" altLang="en-US" baseline="0" dirty="0" smtClean="0"/>
-              <a:t>存在的</a:t>
+              <a:t>本地加遠端，已存在的</a:t>
             </a:r>
             <a:r>
               <a:rPr lang="en-US" altLang="zh-TW" baseline="0" dirty="0" smtClean="0"/>
@@ -2042,11 +2027,7 @@
             </a:r>
             <a:r>
               <a:rPr lang="en-US" altLang="zh-TW" baseline="0" dirty="0" smtClean="0"/>
-              <a:t>master</a:t>
-            </a:r>
-            <a:r>
-              <a:rPr lang="en-US" altLang="zh-TW" baseline="0" dirty="0" smtClean="0"/>
-              <a:t>)</a:t>
+              <a:t>master)</a:t>
             </a:r>
           </a:p>
           <a:p>
@@ -2079,7 +2060,6 @@
               <a:rPr lang="en-US" altLang="zh-TW" baseline="0" dirty="0" smtClean="0"/>
               <a:t>branch)</a:t>
             </a:r>
-            <a:endParaRPr lang="en-US" altLang="zh-TW" baseline="0" dirty="0" smtClean="0"/>
           </a:p>
           <a:p>
             <a:pPr marL="0" marR="0" indent="0" algn="l" defTabSz="914400" rtl="0" eaLnBrk="1" fontAlgn="auto" latinLnBrk="0" hangingPunct="1">
@@ -2186,35 +2166,14 @@
                 <a:latin typeface="Times New Roman" panose="02020603050405020304" pitchFamily="18" charset="0"/>
                 <a:cs typeface="Times New Roman" panose="02020603050405020304" pitchFamily="18" charset="0"/>
               </a:rPr>
-              <a:t>Git merge </a:t>
-            </a:r>
-            <a:r>
-              <a:rPr lang="en-US" altLang="zh-TW" sz="1200" dirty="0" smtClean="0">
-                <a:latin typeface="Times New Roman" panose="02020603050405020304" pitchFamily="18" charset="0"/>
-                <a:cs typeface="Times New Roman" panose="02020603050405020304" pitchFamily="18" charset="0"/>
-              </a:rPr>
-              <a:t>“your </a:t>
-            </a:r>
-            <a:r>
-              <a:rPr lang="en-US" altLang="zh-TW" sz="1200" dirty="0" smtClean="0">
-                <a:latin typeface="Times New Roman" panose="02020603050405020304" pitchFamily="18" charset="0"/>
-                <a:cs typeface="Times New Roman" panose="02020603050405020304" pitchFamily="18" charset="0"/>
-              </a:rPr>
-              <a:t>branch“ in</a:t>
+              <a:t>Git merge “your branch“ in</a:t>
             </a:r>
             <a:r>
               <a:rPr lang="en-US" altLang="zh-TW" sz="1200" baseline="0" dirty="0" smtClean="0">
                 <a:latin typeface="Times New Roman" panose="02020603050405020304" pitchFamily="18" charset="0"/>
                 <a:cs typeface="Times New Roman" panose="02020603050405020304" pitchFamily="18" charset="0"/>
               </a:rPr>
-              <a:t> </a:t>
-            </a:r>
-            <a:r>
-              <a:rPr lang="en-US" altLang="zh-TW" sz="1200" baseline="0" dirty="0" smtClean="0">
-                <a:latin typeface="Times New Roman" panose="02020603050405020304" pitchFamily="18" charset="0"/>
-                <a:cs typeface="Times New Roman" panose="02020603050405020304" pitchFamily="18" charset="0"/>
-              </a:rPr>
-              <a:t>master</a:t>
+              <a:t> master</a:t>
             </a:r>
             <a:r>
               <a:rPr lang="zh-TW" altLang="en-US" sz="1200" baseline="0" dirty="0" smtClean="0">
@@ -7428,23 +7387,14 @@
                 <a:latin typeface="Times New Roman" panose="02020603050405020304" pitchFamily="18" charset="0"/>
                 <a:cs typeface="Times New Roman" panose="02020603050405020304" pitchFamily="18" charset="0"/>
               </a:rPr>
-              <a:t>git clone </a:t>
-            </a:r>
-            <a:r>
-              <a:rPr lang="en-US" altLang="zh-TW" sz="3000" dirty="0">
-                <a:latin typeface="Times New Roman" panose="02020603050405020304" pitchFamily="18" charset="0"/>
-                <a:cs typeface="Times New Roman" panose="02020603050405020304" pitchFamily="18" charset="0"/>
-                <a:hlinkClick r:id="rId3"/>
-              </a:rPr>
-              <a:t>https://</a:t>
+              <a:t>git clone https://</a:t>
             </a:r>
             <a:r>
               <a:rPr lang="en-US" altLang="zh-TW" sz="3000" dirty="0" smtClean="0">
                 <a:latin typeface="Times New Roman" panose="02020603050405020304" pitchFamily="18" charset="0"/>
                 <a:cs typeface="Times New Roman" panose="02020603050405020304" pitchFamily="18" charset="0"/>
-                <a:hlinkClick r:id="rId3"/>
-              </a:rPr>
-              <a:t>github.com/Alex-CHUN-YU/REPOSITORY.git</a:t>
+              </a:rPr>
+              <a:t>github.com/ALEX-CHUN-YU/GitBash.git</a:t>
             </a:r>
             <a:endParaRPr lang="en-US" altLang="zh-TW" sz="3000" dirty="0" smtClean="0">
               <a:latin typeface="Times New Roman" panose="02020603050405020304" pitchFamily="18" charset="0"/>
@@ -7453,33 +7403,32 @@
           </a:p>
           <a:p>
             <a:r>
-              <a:rPr lang="en-US" altLang="zh-TW" sz="3000" dirty="0">
-                <a:latin typeface="Times New Roman" panose="02020603050405020304" pitchFamily="18" charset="0"/>
-                <a:cs typeface="Times New Roman" panose="02020603050405020304" pitchFamily="18" charset="0"/>
-              </a:rPr>
-              <a:t>git clone </a:t>
-            </a:r>
-            <a:r>
               <a:rPr lang="en-US" altLang="zh-TW" sz="3000" dirty="0" smtClean="0">
                 <a:latin typeface="Times New Roman" panose="02020603050405020304" pitchFamily="18" charset="0"/>
                 <a:cs typeface="Times New Roman" panose="02020603050405020304" pitchFamily="18" charset="0"/>
               </a:rPr>
-              <a:t>-b </a:t>
-            </a:r>
-            <a:r>
-              <a:rPr lang="en-US" altLang="zh-TW" sz="3000" dirty="0">
-                <a:latin typeface="Times New Roman" panose="02020603050405020304" pitchFamily="18" charset="0"/>
-                <a:cs typeface="Times New Roman" panose="02020603050405020304" pitchFamily="18" charset="0"/>
-              </a:rPr>
-              <a:t>dialogact </a:t>
-            </a:r>
-            <a:r>
-              <a:rPr lang="en-US" altLang="zh-TW" sz="3000" dirty="0">
-                <a:latin typeface="Times New Roman" panose="02020603050405020304" pitchFamily="18" charset="0"/>
-                <a:cs typeface="Times New Roman" panose="02020603050405020304" pitchFamily="18" charset="0"/>
-                <a:hlinkClick r:id="rId4"/>
-              </a:rPr>
-              <a:t>https://github.com/monmouth/xbot.git</a:t>
+              <a:t>git clone -b demo </a:t>
+            </a:r>
+            <a:r>
+              <a:rPr lang="en-US" altLang="zh-TW" sz="3000" dirty="0" smtClean="0">
+                <a:latin typeface="Times New Roman" panose="02020603050405020304" pitchFamily="18" charset="0"/>
+                <a:cs typeface="Times New Roman" panose="02020603050405020304" pitchFamily="18" charset="0"/>
+              </a:rPr>
+              <a:t>https</a:t>
+            </a:r>
+            <a:r>
+              <a:rPr lang="en-US" altLang="zh-TW" sz="3000">
+                <a:latin typeface="Times New Roman" panose="02020603050405020304" pitchFamily="18" charset="0"/>
+                <a:cs typeface="Times New Roman" panose="02020603050405020304" pitchFamily="18" charset="0"/>
+              </a:rPr>
+              <a:t>://</a:t>
+            </a:r>
+            <a:r>
+              <a:rPr lang="en-US" altLang="zh-TW" sz="3000" smtClean="0">
+                <a:latin typeface="Times New Roman" panose="02020603050405020304" pitchFamily="18" charset="0"/>
+                <a:cs typeface="Times New Roman" panose="02020603050405020304" pitchFamily="18" charset="0"/>
+              </a:rPr>
+              <a:t>github.com/ALEX-CHUN-YU/Demo.git</a:t>
             </a:r>
             <a:endParaRPr lang="en-US" altLang="zh-TW" sz="3000" dirty="0">
               <a:latin typeface="Times New Roman" panose="02020603050405020304" pitchFamily="18" charset="0"/>
@@ -7488,18 +7437,18 @@
           </a:p>
           <a:p>
             <a:r>
-              <a:rPr lang="en-US" altLang="zh-TW" sz="3000" dirty="0">
-                <a:latin typeface="Times New Roman" panose="02020603050405020304" pitchFamily="18" charset="0"/>
-                <a:cs typeface="Times New Roman" panose="02020603050405020304" pitchFamily="18" charset="0"/>
-              </a:rPr>
-              <a:t>c</a:t>
-            </a:r>
-            <a:r>
               <a:rPr lang="en-US" altLang="zh-TW" sz="3000" dirty="0" smtClean="0">
                 <a:latin typeface="Times New Roman" panose="02020603050405020304" pitchFamily="18" charset="0"/>
                 <a:cs typeface="Times New Roman" panose="02020603050405020304" pitchFamily="18" charset="0"/>
               </a:rPr>
-              <a:t>d REPOSITORY</a:t>
+              <a:t>cd </a:t>
+            </a:r>
+            <a:r>
+              <a:rPr lang="en-US" altLang="zh-TW" sz="3000" dirty="0" smtClean="0">
+                <a:latin typeface="Times New Roman" panose="02020603050405020304" pitchFamily="18" charset="0"/>
+                <a:cs typeface="Times New Roman" panose="02020603050405020304" pitchFamily="18" charset="0"/>
+              </a:rPr>
+              <a:t>REPOSITORY</a:t>
             </a:r>
           </a:p>
           <a:p>

--- a/Git_Bash_Tutor.pptx
+++ b/Git_Bash_Tutor.pptx
@@ -223,7 +223,7 @@
           <a:p>
             <a:fld id="{49E277A8-1AFF-45A5-9330-61D264370194}" type="datetimeFigureOut">
               <a:rPr lang="zh-TW" altLang="en-US" smtClean="0"/>
-              <a:t>2017/6/6</a:t>
+              <a:t>2017/6/7</a:t>
             </a:fld>
             <a:endParaRPr lang="zh-TW" altLang="en-US"/>
           </a:p>
@@ -914,6 +914,28 @@
               <a:rPr lang="en-US" altLang="zh-TW" dirty="0" smtClean="0"/>
               <a:t>directory</a:t>
             </a:r>
+          </a:p>
+          <a:p>
+            <a:r>
+              <a:rPr lang="zh-TW" altLang="en-US" dirty="0" smtClean="0"/>
+              <a:t>如果要單獨開發一個</a:t>
+            </a:r>
+            <a:r>
+              <a:rPr lang="en-US" altLang="zh-TW" dirty="0" smtClean="0"/>
+              <a:t>branch</a:t>
+            </a:r>
+            <a:r>
+              <a:rPr lang="zh-TW" altLang="en-US" dirty="0" smtClean="0"/>
+              <a:t> 建議使用第</a:t>
+            </a:r>
+            <a:r>
+              <a:rPr lang="en-US" altLang="zh-TW" dirty="0" smtClean="0"/>
+              <a:t>2</a:t>
+            </a:r>
+            <a:r>
+              <a:rPr lang="zh-TW" altLang="en-US" dirty="0" smtClean="0"/>
+              <a:t>行</a:t>
+            </a:r>
             <a:endParaRPr lang="zh-TW" altLang="en-US" dirty="0"/>
           </a:p>
         </p:txBody>
@@ -3081,7 +3103,7 @@
           <a:p>
             <a:fld id="{B4F2E2C9-CD9D-4975-9258-90DCB7D01CF6}" type="datetimeFigureOut">
               <a:rPr lang="zh-TW" altLang="en-US" smtClean="0"/>
-              <a:t>2017/6/6</a:t>
+              <a:t>2017/6/7</a:t>
             </a:fld>
             <a:endParaRPr lang="zh-TW" altLang="en-US"/>
           </a:p>
@@ -3260,7 +3282,7 @@
           <a:p>
             <a:fld id="{B4F2E2C9-CD9D-4975-9258-90DCB7D01CF6}" type="datetimeFigureOut">
               <a:rPr lang="zh-TW" altLang="en-US" smtClean="0"/>
-              <a:t>2017/6/6</a:t>
+              <a:t>2017/6/7</a:t>
             </a:fld>
             <a:endParaRPr lang="zh-TW" altLang="en-US"/>
           </a:p>
@@ -3440,7 +3462,7 @@
           <a:p>
             <a:fld id="{B4F2E2C9-CD9D-4975-9258-90DCB7D01CF6}" type="datetimeFigureOut">
               <a:rPr lang="zh-TW" altLang="en-US" smtClean="0"/>
-              <a:t>2017/6/6</a:t>
+              <a:t>2017/6/7</a:t>
             </a:fld>
             <a:endParaRPr lang="zh-TW" altLang="en-US"/>
           </a:p>
@@ -3610,7 +3632,7 @@
           <a:p>
             <a:fld id="{B4F2E2C9-CD9D-4975-9258-90DCB7D01CF6}" type="datetimeFigureOut">
               <a:rPr lang="zh-TW" altLang="en-US" smtClean="0"/>
-              <a:t>2017/6/6</a:t>
+              <a:t>2017/6/7</a:t>
             </a:fld>
             <a:endParaRPr lang="zh-TW" altLang="en-US"/>
           </a:p>
@@ -3923,7 +3945,7 @@
           <a:p>
             <a:fld id="{B4F2E2C9-CD9D-4975-9258-90DCB7D01CF6}" type="datetimeFigureOut">
               <a:rPr lang="zh-TW" altLang="en-US" smtClean="0"/>
-              <a:t>2017/6/6</a:t>
+              <a:t>2017/6/7</a:t>
             </a:fld>
             <a:endParaRPr lang="zh-TW" altLang="en-US"/>
           </a:p>
@@ -4309,7 +4331,7 @@
           <a:p>
             <a:fld id="{B4F2E2C9-CD9D-4975-9258-90DCB7D01CF6}" type="datetimeFigureOut">
               <a:rPr lang="zh-TW" altLang="en-US" smtClean="0"/>
-              <a:t>2017/6/6</a:t>
+              <a:t>2017/6/7</a:t>
             </a:fld>
             <a:endParaRPr lang="zh-TW" altLang="en-US"/>
           </a:p>
@@ -4743,7 +4765,7 @@
           <a:p>
             <a:fld id="{B4F2E2C9-CD9D-4975-9258-90DCB7D01CF6}" type="datetimeFigureOut">
               <a:rPr lang="zh-TW" altLang="en-US" smtClean="0"/>
-              <a:t>2017/6/6</a:t>
+              <a:t>2017/6/7</a:t>
             </a:fld>
             <a:endParaRPr lang="zh-TW" altLang="en-US"/>
           </a:p>
@@ -4861,7 +4883,7 @@
           <a:p>
             <a:fld id="{B4F2E2C9-CD9D-4975-9258-90DCB7D01CF6}" type="datetimeFigureOut">
               <a:rPr lang="zh-TW" altLang="en-US" smtClean="0"/>
-              <a:t>2017/6/6</a:t>
+              <a:t>2017/6/7</a:t>
             </a:fld>
             <a:endParaRPr lang="zh-TW" altLang="en-US"/>
           </a:p>
@@ -4956,7 +4978,7 @@
           <a:p>
             <a:fld id="{B4F2E2C9-CD9D-4975-9258-90DCB7D01CF6}" type="datetimeFigureOut">
               <a:rPr lang="zh-TW" altLang="en-US" smtClean="0"/>
-              <a:t>2017/6/6</a:t>
+              <a:t>2017/6/7</a:t>
             </a:fld>
             <a:endParaRPr lang="zh-TW" altLang="en-US"/>
           </a:p>
@@ -5306,7 +5328,7 @@
           <a:p>
             <a:fld id="{B4F2E2C9-CD9D-4975-9258-90DCB7D01CF6}" type="datetimeFigureOut">
               <a:rPr lang="zh-TW" altLang="en-US" smtClean="0"/>
-              <a:t>2017/6/6</a:t>
+              <a:t>2017/6/7</a:t>
             </a:fld>
             <a:endParaRPr lang="zh-TW" altLang="en-US"/>
           </a:p>
@@ -5731,7 +5753,7 @@
           <a:p>
             <a:fld id="{B4F2E2C9-CD9D-4975-9258-90DCB7D01CF6}" type="datetimeFigureOut">
               <a:rPr lang="zh-TW" altLang="en-US" smtClean="0"/>
-              <a:t>2017/6/6</a:t>
+              <a:t>2017/6/7</a:t>
             </a:fld>
             <a:endParaRPr lang="zh-TW" altLang="en-US"/>
           </a:p>
@@ -6012,7 +6034,7 @@
           <a:p>
             <a:fld id="{B4F2E2C9-CD9D-4975-9258-90DCB7D01CF6}" type="datetimeFigureOut">
               <a:rPr lang="zh-TW" altLang="en-US" smtClean="0"/>
-              <a:t>2017/6/6</a:t>
+              <a:t>2017/6/7</a:t>
             </a:fld>
             <a:endParaRPr lang="zh-TW" altLang="en-US"/>
           </a:p>
@@ -7387,12 +7409,21 @@
                 <a:latin typeface="Times New Roman" panose="02020603050405020304" pitchFamily="18" charset="0"/>
                 <a:cs typeface="Times New Roman" panose="02020603050405020304" pitchFamily="18" charset="0"/>
               </a:rPr>
-              <a:t>git clone https://</a:t>
+              <a:t>git clone </a:t>
+            </a:r>
+            <a:r>
+              <a:rPr lang="en-US" altLang="zh-TW" sz="3000" dirty="0">
+                <a:latin typeface="Times New Roman" panose="02020603050405020304" pitchFamily="18" charset="0"/>
+                <a:cs typeface="Times New Roman" panose="02020603050405020304" pitchFamily="18" charset="0"/>
+                <a:hlinkClick r:id="rId3"/>
+              </a:rPr>
+              <a:t>https://</a:t>
             </a:r>
             <a:r>
               <a:rPr lang="en-US" altLang="zh-TW" sz="3000" dirty="0" smtClean="0">
                 <a:latin typeface="Times New Roman" panose="02020603050405020304" pitchFamily="18" charset="0"/>
                 <a:cs typeface="Times New Roman" panose="02020603050405020304" pitchFamily="18" charset="0"/>
+                <a:hlinkClick r:id="rId3"/>
               </a:rPr>
               <a:t>github.com/ALEX-CHUN-YU/GitBash.git</a:t>
             </a:r>
@@ -7403,32 +7434,11 @@
           </a:p>
           <a:p>
             <a:r>
-              <a:rPr lang="en-US" altLang="zh-TW" sz="3000" dirty="0" smtClean="0">
-                <a:latin typeface="Times New Roman" panose="02020603050405020304" pitchFamily="18" charset="0"/>
-                <a:cs typeface="Times New Roman" panose="02020603050405020304" pitchFamily="18" charset="0"/>
-              </a:rPr>
-              <a:t>git clone -b demo </a:t>
-            </a:r>
-            <a:r>
-              <a:rPr lang="en-US" altLang="zh-TW" sz="3000" dirty="0" smtClean="0">
-                <a:latin typeface="Times New Roman" panose="02020603050405020304" pitchFamily="18" charset="0"/>
-                <a:cs typeface="Times New Roman" panose="02020603050405020304" pitchFamily="18" charset="0"/>
-              </a:rPr>
-              <a:t>https</a:t>
-            </a:r>
-            <a:r>
-              <a:rPr lang="en-US" altLang="zh-TW" sz="3000">
-                <a:latin typeface="Times New Roman" panose="02020603050405020304" pitchFamily="18" charset="0"/>
-                <a:cs typeface="Times New Roman" panose="02020603050405020304" pitchFamily="18" charset="0"/>
-              </a:rPr>
-              <a:t>://</a:t>
-            </a:r>
-            <a:r>
-              <a:rPr lang="en-US" altLang="zh-TW" sz="3000" smtClean="0">
-                <a:latin typeface="Times New Roman" panose="02020603050405020304" pitchFamily="18" charset="0"/>
-                <a:cs typeface="Times New Roman" panose="02020603050405020304" pitchFamily="18" charset="0"/>
-              </a:rPr>
-              <a:t>github.com/ALEX-CHUN-YU/Demo.git</a:t>
+              <a:rPr lang="en-US" altLang="zh-TW" sz="3000" dirty="0">
+                <a:latin typeface="Times New Roman" panose="02020603050405020304" pitchFamily="18" charset="0"/>
+                <a:cs typeface="Times New Roman" panose="02020603050405020304" pitchFamily="18" charset="0"/>
+              </a:rPr>
+              <a:t>git clone -b demo https://github.com/ALEX-CHUN-YU/GitBash.git</a:t>
             </a:r>
             <a:endParaRPr lang="en-US" altLang="zh-TW" sz="3000" dirty="0">
               <a:latin typeface="Times New Roman" panose="02020603050405020304" pitchFamily="18" charset="0"/>
